--- a/DiceWars Präsentation.pptx
+++ b/DiceWars Präsentation.pptx
@@ -1,28 +1,30 @@
 
 <file path=ppt/presentation.xml><?xml version="1.0" encoding="utf-8"?>
-<p:presentation xmlns:a="http://schemas.openxmlformats.org/drawingml/2006/main" xmlns:r="http://schemas.openxmlformats.org/officeDocument/2006/relationships" xmlns:p="http://schemas.openxmlformats.org/presentationml/2006/main" removePersonalInfoOnSave="1" saveSubsetFonts="1">
+<p:presentation xmlns:a="http://schemas.openxmlformats.org/drawingml/2006/main" xmlns:r="http://schemas.openxmlformats.org/officeDocument/2006/relationships" xmlns:p="http://schemas.openxmlformats.org/presentationml/2006/main" serverZoom="50311" removePersonalInfoOnSave="1" saveSubsetFonts="1">
   <p:sldMasterIdLst>
     <p:sldMasterId id="2147483648" r:id="rId2"/>
   </p:sldMasterIdLst>
   <p:notesMasterIdLst>
-    <p:notesMasterId r:id="rId15"/>
+    <p:notesMasterId r:id="rId17"/>
   </p:notesMasterIdLst>
   <p:handoutMasterIdLst>
-    <p:handoutMasterId r:id="rId16"/>
+    <p:handoutMasterId r:id="rId18"/>
   </p:handoutMasterIdLst>
   <p:sldIdLst>
     <p:sldId id="256" r:id="rId3"/>
     <p:sldId id="265" r:id="rId4"/>
     <p:sldId id="257" r:id="rId5"/>
     <p:sldId id="267" r:id="rId6"/>
-    <p:sldId id="268" r:id="rId7"/>
-    <p:sldId id="258" r:id="rId8"/>
-    <p:sldId id="260" r:id="rId9"/>
-    <p:sldId id="261" r:id="rId10"/>
-    <p:sldId id="262" r:id="rId11"/>
-    <p:sldId id="269" r:id="rId12"/>
-    <p:sldId id="270" r:id="rId13"/>
-    <p:sldId id="271" r:id="rId14"/>
+    <p:sldId id="272" r:id="rId7"/>
+    <p:sldId id="268" r:id="rId8"/>
+    <p:sldId id="258" r:id="rId9"/>
+    <p:sldId id="273" r:id="rId10"/>
+    <p:sldId id="260" r:id="rId11"/>
+    <p:sldId id="261" r:id="rId12"/>
+    <p:sldId id="262" r:id="rId13"/>
+    <p:sldId id="269" r:id="rId14"/>
+    <p:sldId id="270" r:id="rId15"/>
+    <p:sldId id="271" r:id="rId16"/>
   </p:sldIdLst>
   <p:sldSz cx="12192000" cy="6858000"/>
   <p:notesSz cx="6858000" cy="9144000"/>
@@ -225,7 +227,7 @@
           <a:p>
             <a:fld id="{FD9D2DDA-69D8-473F-A583-B6774B31A77B}" type="datetimeFigureOut">
               <a:rPr lang="de-DE" smtClean="0"/>
-              <a:t>27.06.2016</a:t>
+              <a:t>30.06.2016</a:t>
             </a:fld>
             <a:endParaRPr lang="de-DE" dirty="0"/>
           </a:p>
@@ -390,7 +392,7 @@
           <a:p>
             <a:fld id="{A01F6DFB-6833-46E4-B515-70E0D9178056}" type="datetimeFigureOut">
               <a:rPr lang="de-DE" smtClean="0"/>
-              <a:t>27.06.2016</a:t>
+              <a:t>30.06.2016</a:t>
             </a:fld>
             <a:endParaRPr lang="de-DE" dirty="0"/>
           </a:p>
@@ -827,7 +829,7 @@
                 <a:ea typeface="+mn-ea"/>
                 <a:cs typeface="+mn-cs"/>
               </a:rPr>
-              <a:t>5</a:t>
+              <a:t>6</a:t>
             </a:fld>
             <a:endParaRPr lang="en-US"/>
           </a:p>
@@ -1302,7 +1304,7 @@
           <a:p>
             <a:fld id="{0B277187-C200-495F-A386-621319EADA8F}" type="datetimeFigureOut">
               <a:rPr lang="de-DE" smtClean="0"/>
-              <a:t>27.06.2016</a:t>
+              <a:t>30.06.2016</a:t>
             </a:fld>
             <a:endParaRPr lang="de-DE" dirty="0"/>
           </a:p>
@@ -1494,7 +1496,7 @@
           <a:p>
             <a:fld id="{0B277187-C200-495F-A386-621319EADA8F}" type="datetimeFigureOut">
               <a:rPr lang="de-DE" smtClean="0"/>
-              <a:t>27.06.2016</a:t>
+              <a:t>30.06.2016</a:t>
             </a:fld>
             <a:endParaRPr lang="de-DE" dirty="0"/>
           </a:p>
@@ -1692,7 +1694,7 @@
           <a:p>
             <a:fld id="{0B277187-C200-495F-A386-621319EADA8F}" type="datetimeFigureOut">
               <a:rPr lang="de-DE" smtClean="0"/>
-              <a:t>27.06.2016</a:t>
+              <a:t>30.06.2016</a:t>
             </a:fld>
             <a:endParaRPr lang="de-DE" dirty="0"/>
           </a:p>
@@ -2003,7 +2005,7 @@
           <a:p>
             <a:fld id="{0B277187-C200-495F-A386-621319EADA8F}" type="datetimeFigureOut">
               <a:rPr lang="de-DE" smtClean="0"/>
-              <a:t>27.06.2016</a:t>
+              <a:t>30.06.2016</a:t>
             </a:fld>
             <a:endParaRPr lang="de-DE" dirty="0"/>
           </a:p>
@@ -2307,7 +2309,7 @@
           <a:p>
             <a:fld id="{0B277187-C200-495F-A386-621319EADA8F}" type="datetimeFigureOut">
               <a:rPr lang="de-DE" smtClean="0"/>
-              <a:t>27.06.2016</a:t>
+              <a:t>30.06.2016</a:t>
             </a:fld>
             <a:endParaRPr lang="de-DE" dirty="0"/>
           </a:p>
@@ -2759,7 +2761,7 @@
           <a:p>
             <a:fld id="{0B277187-C200-495F-A386-621319EADA8F}" type="datetimeFigureOut">
               <a:rPr lang="de-DE" smtClean="0"/>
-              <a:t>27.06.2016</a:t>
+              <a:t>30.06.2016</a:t>
             </a:fld>
             <a:endParaRPr lang="de-DE" dirty="0"/>
           </a:p>
@@ -2896,7 +2898,7 @@
           <a:p>
             <a:fld id="{0B277187-C200-495F-A386-621319EADA8F}" type="datetimeFigureOut">
               <a:rPr lang="de-DE" smtClean="0"/>
-              <a:t>27.06.2016</a:t>
+              <a:t>30.06.2016</a:t>
             </a:fld>
             <a:endParaRPr lang="de-DE" dirty="0"/>
           </a:p>
@@ -3142,7 +3144,7 @@
           <a:p>
             <a:fld id="{0B277187-C200-495F-A386-621319EADA8F}" type="datetimeFigureOut">
               <a:rPr lang="de-DE" smtClean="0"/>
-              <a:t>27.06.2016</a:t>
+              <a:t>30.06.2016</a:t>
             </a:fld>
             <a:endParaRPr lang="de-DE" dirty="0"/>
           </a:p>
@@ -3579,7 +3581,7 @@
           <a:p>
             <a:fld id="{0B277187-C200-495F-A386-621319EADA8F}" type="datetimeFigureOut">
               <a:rPr lang="de-DE" smtClean="0"/>
-              <a:t>27.06.2016</a:t>
+              <a:t>30.06.2016</a:t>
             </a:fld>
             <a:endParaRPr lang="de-DE" dirty="0"/>
           </a:p>
@@ -4002,7 +4004,7 @@
           <a:p>
             <a:fld id="{0B277187-C200-495F-A386-621319EADA8F}" type="datetimeFigureOut">
               <a:rPr lang="de-DE" smtClean="0"/>
-              <a:t>27.06.2016</a:t>
+              <a:t>30.06.2016</a:t>
             </a:fld>
             <a:endParaRPr lang="de-DE" dirty="0"/>
           </a:p>
@@ -4392,7 +4394,7 @@
             <a:fld id="{0B277187-C200-495F-A386-621319EADA8F}" type="datetimeFigureOut">
               <a:rPr lang="de-DE" smtClean="0"/>
               <a:pPr/>
-              <a:t>27.06.2016</a:t>
+              <a:t>30.06.2016</a:t>
             </a:fld>
             <a:endParaRPr lang="de-DE" dirty="0"/>
           </a:p>
@@ -4983,7 +4985,7 @@
       </p:grpSpPr>
       <p:sp>
         <p:nvSpPr>
-          <p:cNvPr id="5" name="Titel 4"/>
+          <p:cNvPr id="2" name="Titel 1"/>
           <p:cNvSpPr>
             <a:spLocks noGrp="1"/>
           </p:cNvSpPr>
@@ -4991,12 +4993,7 @@
             <p:ph type="title"/>
           </p:nvPr>
         </p:nvSpPr>
-        <p:spPr>
-          <a:xfrm>
-            <a:off x="1341120" y="467360"/>
-            <a:ext cx="9509760" cy="1015451"/>
-          </a:xfrm>
-        </p:spPr>
+        <p:spPr/>
         <p:txBody>
           <a:bodyPr/>
           <a:lstStyle/>
@@ -5004,7 +5001,7 @@
             <a:pPr algn="ctr"/>
             <a:r>
               <a:rPr lang="de-DE" dirty="0" err="1" smtClean="0"/>
-              <a:t>Dependency</a:t>
+              <a:t>Cost</a:t>
             </a:r>
             <a:r>
               <a:rPr lang="de-DE" dirty="0" smtClean="0"/>
@@ -5012,54 +5009,16 @@
             </a:r>
             <a:r>
               <a:rPr lang="de-DE" dirty="0" err="1" smtClean="0"/>
-              <a:t>Injection</a:t>
-            </a:r>
-            <a:endParaRPr lang="de-DE" dirty="0"/>
-          </a:p>
-        </p:txBody>
-      </p:sp>
-      <p:sp>
-        <p:nvSpPr>
-          <p:cNvPr id="6" name="Inhaltsplatzhalter 5"/>
-          <p:cNvSpPr>
-            <a:spLocks noGrp="1"/>
-          </p:cNvSpPr>
-          <p:nvPr>
-            <p:ph sz="half" idx="1"/>
-          </p:nvPr>
-        </p:nvSpPr>
-        <p:spPr/>
-        <p:txBody>
-          <a:bodyPr/>
-          <a:lstStyle/>
-          <a:p>
-            <a:endParaRPr lang="de-DE"/>
-          </a:p>
-        </p:txBody>
-      </p:sp>
-      <p:sp>
-        <p:nvSpPr>
-          <p:cNvPr id="7" name="Inhaltsplatzhalter 6"/>
-          <p:cNvSpPr>
-            <a:spLocks noGrp="1"/>
-          </p:cNvSpPr>
-          <p:nvPr>
-            <p:ph sz="half" idx="2"/>
-          </p:nvPr>
-        </p:nvSpPr>
-        <p:spPr/>
-        <p:txBody>
-          <a:bodyPr/>
-          <a:lstStyle/>
-          <a:p>
-            <a:endParaRPr lang="de-DE"/>
+              <a:t>Estimation</a:t>
+            </a:r>
+            <a:endParaRPr lang="de-DE" dirty="0"/>
           </a:p>
         </p:txBody>
       </p:sp>
     </p:spTree>
     <p:extLst>
       <p:ext uri="{BB962C8B-B14F-4D97-AF65-F5344CB8AC3E}">
-        <p14:creationId xmlns:p14="http://schemas.microsoft.com/office/powerpoint/2010/main" val="2317441537"/>
+        <p14:creationId xmlns:p14="http://schemas.microsoft.com/office/powerpoint/2010/main" val="4222283958"/>
       </p:ext>
     </p:extLst>
   </p:cSld>
@@ -5118,7 +5077,7 @@
         <p:spPr>
           <a:xfrm>
             <a:off x="1341120" y="467360"/>
-            <a:ext cx="9509760" cy="867170"/>
+            <a:ext cx="9509760" cy="916597"/>
           </a:xfrm>
         </p:spPr>
         <p:txBody>
@@ -5128,7 +5087,7 @@
             <a:pPr algn="ctr"/>
             <a:r>
               <a:rPr lang="de-DE" dirty="0" smtClean="0"/>
-              <a:t>TUI Development</a:t>
+              <a:t>Patterns</a:t>
             </a:r>
             <a:endParaRPr lang="de-DE" dirty="0"/>
           </a:p>
@@ -5156,7 +5115,7 @@
     </p:spTree>
     <p:extLst>
       <p:ext uri="{BB962C8B-B14F-4D97-AF65-F5344CB8AC3E}">
-        <p14:creationId xmlns:p14="http://schemas.microsoft.com/office/powerpoint/2010/main" val="3262952730"/>
+        <p14:creationId xmlns:p14="http://schemas.microsoft.com/office/powerpoint/2010/main" val="1400644211"/>
       </p:ext>
     </p:extLst>
   </p:cSld>
@@ -5204,6 +5163,227 @@
       </p:grpSpPr>
       <p:sp>
         <p:nvSpPr>
+          <p:cNvPr id="5" name="Titel 4"/>
+          <p:cNvSpPr>
+            <a:spLocks noGrp="1"/>
+          </p:cNvSpPr>
+          <p:nvPr>
+            <p:ph type="title"/>
+          </p:nvPr>
+        </p:nvSpPr>
+        <p:spPr>
+          <a:xfrm>
+            <a:off x="1341120" y="467360"/>
+            <a:ext cx="9509760" cy="1015451"/>
+          </a:xfrm>
+        </p:spPr>
+        <p:txBody>
+          <a:bodyPr/>
+          <a:lstStyle/>
+          <a:p>
+            <a:pPr algn="ctr"/>
+            <a:r>
+              <a:rPr lang="de-DE" dirty="0" err="1" smtClean="0"/>
+              <a:t>Dependency</a:t>
+            </a:r>
+            <a:r>
+              <a:rPr lang="de-DE" dirty="0" smtClean="0"/>
+              <a:t> </a:t>
+            </a:r>
+            <a:r>
+              <a:rPr lang="de-DE" dirty="0" err="1" smtClean="0"/>
+              <a:t>Injection</a:t>
+            </a:r>
+            <a:endParaRPr lang="de-DE" dirty="0"/>
+          </a:p>
+        </p:txBody>
+      </p:sp>
+      <p:sp>
+        <p:nvSpPr>
+          <p:cNvPr id="6" name="Inhaltsplatzhalter 5"/>
+          <p:cNvSpPr>
+            <a:spLocks noGrp="1"/>
+          </p:cNvSpPr>
+          <p:nvPr>
+            <p:ph sz="half" idx="1"/>
+          </p:nvPr>
+        </p:nvSpPr>
+        <p:spPr/>
+        <p:txBody>
+          <a:bodyPr/>
+          <a:lstStyle/>
+          <a:p>
+            <a:endParaRPr lang="de-DE" dirty="0"/>
+          </a:p>
+        </p:txBody>
+      </p:sp>
+      <p:sp>
+        <p:nvSpPr>
+          <p:cNvPr id="7" name="Inhaltsplatzhalter 6"/>
+          <p:cNvSpPr>
+            <a:spLocks noGrp="1"/>
+          </p:cNvSpPr>
+          <p:nvPr>
+            <p:ph sz="half" idx="2"/>
+          </p:nvPr>
+        </p:nvSpPr>
+        <p:spPr/>
+        <p:txBody>
+          <a:bodyPr/>
+          <a:lstStyle/>
+          <a:p>
+            <a:endParaRPr lang="de-DE" dirty="0"/>
+          </a:p>
+        </p:txBody>
+      </p:sp>
+    </p:spTree>
+    <p:extLst>
+      <p:ext uri="{BB962C8B-B14F-4D97-AF65-F5344CB8AC3E}">
+        <p14:creationId xmlns:p14="http://schemas.microsoft.com/office/powerpoint/2010/main" val="2317441537"/>
+      </p:ext>
+    </p:extLst>
+  </p:cSld>
+  <p:clrMapOvr>
+    <a:masterClrMapping/>
+  </p:clrMapOvr>
+  <mc:AlternateContent xmlns:mc="http://schemas.openxmlformats.org/markup-compatibility/2006" xmlns:p14="http://schemas.microsoft.com/office/powerpoint/2010/main">
+    <mc:Choice Requires="p14">
+      <p:transition spd="med" p14:dur="700">
+        <p:fade/>
+      </p:transition>
+    </mc:Choice>
+    <mc:Fallback xmlns="">
+      <p:transition spd="med">
+        <p:fade/>
+      </p:transition>
+    </mc:Fallback>
+  </mc:AlternateContent>
+  <p:timing>
+    <p:tnLst>
+      <p:par>
+        <p:cTn id="1" dur="indefinite" restart="never" nodeType="tmRoot"/>
+      </p:par>
+    </p:tnLst>
+  </p:timing>
+</p:sld>
+</file>
+
+<file path=ppt/slides/slide13.xml><?xml version="1.0" encoding="utf-8"?>
+<p:sld xmlns:a="http://schemas.openxmlformats.org/drawingml/2006/main" xmlns:r="http://schemas.openxmlformats.org/officeDocument/2006/relationships" xmlns:p="http://schemas.openxmlformats.org/presentationml/2006/main">
+  <p:cSld>
+    <p:spTree>
+      <p:nvGrpSpPr>
+        <p:cNvPr id="1" name=""/>
+        <p:cNvGrpSpPr/>
+        <p:nvPr/>
+      </p:nvGrpSpPr>
+      <p:grpSpPr>
+        <a:xfrm>
+          <a:off x="0" y="0"/>
+          <a:ext cx="0" cy="0"/>
+          <a:chOff x="0" y="0"/>
+          <a:chExt cx="0" cy="0"/>
+        </a:xfrm>
+      </p:grpSpPr>
+      <p:sp>
+        <p:nvSpPr>
+          <p:cNvPr id="5" name="Titel 4"/>
+          <p:cNvSpPr>
+            <a:spLocks noGrp="1"/>
+          </p:cNvSpPr>
+          <p:nvPr>
+            <p:ph type="title"/>
+          </p:nvPr>
+        </p:nvSpPr>
+        <p:spPr>
+          <a:xfrm>
+            <a:off x="1341120" y="467360"/>
+            <a:ext cx="9509760" cy="867170"/>
+          </a:xfrm>
+        </p:spPr>
+        <p:txBody>
+          <a:bodyPr/>
+          <a:lstStyle/>
+          <a:p>
+            <a:pPr algn="ctr"/>
+            <a:r>
+              <a:rPr lang="de-DE" dirty="0" smtClean="0"/>
+              <a:t>TUI Development</a:t>
+            </a:r>
+            <a:endParaRPr lang="de-DE" dirty="0"/>
+          </a:p>
+        </p:txBody>
+      </p:sp>
+      <p:sp>
+        <p:nvSpPr>
+          <p:cNvPr id="6" name="Inhaltsplatzhalter 5"/>
+          <p:cNvSpPr>
+            <a:spLocks noGrp="1"/>
+          </p:cNvSpPr>
+          <p:nvPr>
+            <p:ph idx="1"/>
+          </p:nvPr>
+        </p:nvSpPr>
+        <p:spPr/>
+        <p:txBody>
+          <a:bodyPr/>
+          <a:lstStyle/>
+          <a:p>
+            <a:endParaRPr lang="de-DE"/>
+          </a:p>
+        </p:txBody>
+      </p:sp>
+    </p:spTree>
+    <p:extLst>
+      <p:ext uri="{BB962C8B-B14F-4D97-AF65-F5344CB8AC3E}">
+        <p14:creationId xmlns:p14="http://schemas.microsoft.com/office/powerpoint/2010/main" val="3262952730"/>
+      </p:ext>
+    </p:extLst>
+  </p:cSld>
+  <p:clrMapOvr>
+    <a:masterClrMapping/>
+  </p:clrMapOvr>
+  <mc:AlternateContent xmlns:mc="http://schemas.openxmlformats.org/markup-compatibility/2006" xmlns:p14="http://schemas.microsoft.com/office/powerpoint/2010/main">
+    <mc:Choice Requires="p14">
+      <p:transition spd="med" p14:dur="700">
+        <p:fade/>
+      </p:transition>
+    </mc:Choice>
+    <mc:Fallback xmlns="">
+      <p:transition spd="med">
+        <p:fade/>
+      </p:transition>
+    </mc:Fallback>
+  </mc:AlternateContent>
+  <p:timing>
+    <p:tnLst>
+      <p:par>
+        <p:cTn id="1" dur="indefinite" restart="never" nodeType="tmRoot"/>
+      </p:par>
+    </p:tnLst>
+  </p:timing>
+</p:sld>
+</file>
+
+<file path=ppt/slides/slide14.xml><?xml version="1.0" encoding="utf-8"?>
+<p:sld xmlns:a="http://schemas.openxmlformats.org/drawingml/2006/main" xmlns:r="http://schemas.openxmlformats.org/officeDocument/2006/relationships" xmlns:p="http://schemas.openxmlformats.org/presentationml/2006/main">
+  <p:cSld>
+    <p:spTree>
+      <p:nvGrpSpPr>
+        <p:cNvPr id="1" name=""/>
+        <p:cNvGrpSpPr/>
+        <p:nvPr/>
+      </p:nvGrpSpPr>
+      <p:grpSpPr>
+        <a:xfrm>
+          <a:off x="0" y="0"/>
+          <a:ext cx="0" cy="0"/>
+          <a:chOff x="0" y="0"/>
+          <a:chExt cx="0" cy="0"/>
+        </a:xfrm>
+      </p:grpSpPr>
+      <p:sp>
+        <p:nvSpPr>
           <p:cNvPr id="2" name="Titel 1"/>
           <p:cNvSpPr>
             <a:spLocks noGrp="1"/>
@@ -5337,7 +5517,7 @@
         <p:spPr/>
         <p:txBody>
           <a:bodyPr>
-            <a:normAutofit fontScale="70000" lnSpcReduction="20000"/>
+            <a:normAutofit fontScale="55000" lnSpcReduction="20000"/>
           </a:bodyPr>
           <a:lstStyle/>
           <a:p>
@@ -5445,17 +5625,10 @@
               <a:buChar char="▪"/>
             </a:pPr>
             <a:r>
-              <a:rPr lang="de-DE" dirty="0"/>
-              <a:t>Code </a:t>
-            </a:r>
-            <a:r>
-              <a:rPr lang="de-DE" dirty="0" err="1" smtClean="0"/>
-              <a:t>Coverage</a:t>
-            </a:r>
-            <a:r>
               <a:rPr lang="de-DE" dirty="0" smtClean="0"/>
-              <a:t>(?)</a:t>
-            </a:r>
+              <a:t>Jenkins</a:t>
+            </a:r>
+            <a:endParaRPr lang="de-DE" dirty="0" smtClean="0"/>
           </a:p>
           <a:p>
             <a:pPr>
@@ -5468,8 +5641,12 @@
               <a:buChar char="▪"/>
             </a:pPr>
             <a:r>
+              <a:rPr lang="de-DE" dirty="0"/>
+              <a:t>Code </a:t>
+            </a:r>
+            <a:r>
               <a:rPr lang="de-DE" dirty="0" err="1" smtClean="0"/>
-              <a:t>Maven</a:t>
+              <a:t>Coverage</a:t>
             </a:r>
             <a:endParaRPr lang="de-DE" dirty="0" smtClean="0"/>
           </a:p>
@@ -5484,16 +5661,16 @@
               <a:buChar char="▪"/>
             </a:pPr>
             <a:r>
-              <a:rPr lang="de-DE" dirty="0" err="1"/>
-              <a:t>Cost</a:t>
-            </a:r>
-            <a:r>
-              <a:rPr lang="de-DE" dirty="0"/>
+              <a:rPr lang="de-DE" dirty="0" err="1" smtClean="0"/>
+              <a:t>Pom</a:t>
+            </a:r>
+            <a:r>
+              <a:rPr lang="de-DE" dirty="0" smtClean="0"/>
               <a:t> </a:t>
             </a:r>
             <a:r>
               <a:rPr lang="de-DE" dirty="0" err="1" smtClean="0"/>
-              <a:t>Estmation</a:t>
+              <a:t>file</a:t>
             </a:r>
             <a:endParaRPr lang="de-DE" dirty="0" smtClean="0"/>
           </a:p>
@@ -5508,9 +5685,18 @@
               <a:buChar char="▪"/>
             </a:pPr>
             <a:r>
-              <a:rPr lang="de-DE" dirty="0" smtClean="0"/>
-              <a:t>Patterns</a:t>
-            </a:r>
+              <a:rPr lang="de-DE" dirty="0" err="1"/>
+              <a:t>Cost</a:t>
+            </a:r>
+            <a:r>
+              <a:rPr lang="de-DE" dirty="0"/>
+              <a:t> </a:t>
+            </a:r>
+            <a:r>
+              <a:rPr lang="de-DE" dirty="0" err="1" smtClean="0"/>
+              <a:t>Estmation</a:t>
+            </a:r>
+            <a:endParaRPr lang="de-DE" dirty="0" smtClean="0"/>
           </a:p>
           <a:p>
             <a:pPr>
@@ -5523,18 +5709,9 @@
               <a:buChar char="▪"/>
             </a:pPr>
             <a:r>
-              <a:rPr lang="de-DE" dirty="0" err="1"/>
-              <a:t>Dependency</a:t>
-            </a:r>
-            <a:r>
-              <a:rPr lang="de-DE" dirty="0"/>
-              <a:t> </a:t>
-            </a:r>
-            <a:r>
-              <a:rPr lang="de-DE" dirty="0" err="1" smtClean="0"/>
-              <a:t>Injection</a:t>
-            </a:r>
-            <a:endParaRPr lang="de-DE" dirty="0" smtClean="0"/>
+              <a:rPr lang="de-DE" dirty="0" smtClean="0"/>
+              <a:t>Patterns</a:t>
+            </a:r>
           </a:p>
           <a:p>
             <a:pPr>
@@ -5547,13 +5724,18 @@
               <a:buChar char="▪"/>
             </a:pPr>
             <a:r>
+              <a:rPr lang="de-DE" dirty="0" err="1"/>
+              <a:t>Dependency</a:t>
+            </a:r>
+            <a:r>
               <a:rPr lang="de-DE" dirty="0"/>
-              <a:t>TUI </a:t>
-            </a:r>
-            <a:r>
-              <a:rPr lang="de-DE" dirty="0" smtClean="0"/>
-              <a:t>Development</a:t>
-            </a:r>
+              <a:t> </a:t>
+            </a:r>
+            <a:r>
+              <a:rPr lang="de-DE" dirty="0" err="1" smtClean="0"/>
+              <a:t>Injection</a:t>
+            </a:r>
+            <a:endParaRPr lang="de-DE" dirty="0" smtClean="0"/>
           </a:p>
           <a:p>
             <a:pPr>
@@ -5567,9 +5749,27 @@
             </a:pPr>
             <a:r>
               <a:rPr lang="de-DE" dirty="0"/>
+              <a:t>TUI </a:t>
+            </a:r>
+            <a:r>
+              <a:rPr lang="de-DE" dirty="0" smtClean="0"/>
+              <a:t>Development</a:t>
+            </a:r>
+          </a:p>
+          <a:p>
+            <a:pPr>
+              <a:buClr>
+                <a:srgbClr val="323232">
+                  <a:lumMod val="90000"/>
+                </a:srgbClr>
+              </a:buClr>
+              <a:buFont typeface="Arial"/>
+              <a:buChar char="▪"/>
+            </a:pPr>
+            <a:r>
+              <a:rPr lang="de-DE" dirty="0"/>
               <a:t>GUI Development </a:t>
             </a:r>
-            <a:endParaRPr lang="de-DE" dirty="0"/>
           </a:p>
         </p:txBody>
       </p:sp>
@@ -5763,9 +5963,16 @@
             <p:ph type="title"/>
           </p:nvPr>
         </p:nvSpPr>
-        <p:spPr/>
-        <p:txBody>
-          <a:bodyPr/>
+        <p:spPr>
+          <a:xfrm>
+            <a:off x="1341120" y="108545"/>
+            <a:ext cx="9509760" cy="458615"/>
+          </a:xfrm>
+        </p:spPr>
+        <p:txBody>
+          <a:bodyPr>
+            <a:normAutofit fontScale="90000"/>
+          </a:bodyPr>
           <a:lstStyle/>
           <a:p>
             <a:pPr algn="ctr" defTabSz="914400">
@@ -5790,57 +5997,35 @@
           </a:p>
         </p:txBody>
       </p:sp>
-      <p:sp>
-        <p:nvSpPr>
-          <p:cNvPr id="3" name="Inhaltsplatzhalter 2"/>
-          <p:cNvSpPr>
-            <a:spLocks noGrp="1"/>
-          </p:cNvSpPr>
+      <p:pic>
+        <p:nvPicPr>
+          <p:cNvPr id="5" name="Inhaltsplatzhalter 4"/>
+          <p:cNvPicPr>
+            <a:picLocks noGrp="1" noChangeAspect="1"/>
+          </p:cNvPicPr>
           <p:nvPr>
             <p:ph sz="half" idx="1"/>
           </p:nvPr>
-        </p:nvSpPr>
-        <p:spPr/>
-        <p:txBody>
-          <a:bodyPr/>
-          <a:lstStyle/>
-          <a:p>
-            <a:pPr marL="274320" indent="-228600" algn="l" defTabSz="914400">
-              <a:spcBef>
-                <a:spcPts val="1800"/>
-              </a:spcBef>
-              <a:buClr>
-                <a:srgbClr val="323232">
-                  <a:lumMod val="90000"/>
-                </a:srgbClr>
-              </a:buClr>
-              <a:buSzPct val="100000"/>
-              <a:buFont typeface="Arial"/>
-              <a:buChar char="▪"/>
-            </a:pPr>
-            <a:endParaRPr lang="de-DE" dirty="0"/>
-          </a:p>
-        </p:txBody>
-      </p:sp>
-      <p:sp>
-        <p:nvSpPr>
-          <p:cNvPr id="4" name="Inhaltsplatzhalter 3"/>
-          <p:cNvSpPr>
-            <a:spLocks noGrp="1"/>
-          </p:cNvSpPr>
-          <p:nvPr>
-            <p:ph sz="half" idx="2"/>
-          </p:nvPr>
-        </p:nvSpPr>
-        <p:spPr/>
-        <p:txBody>
-          <a:bodyPr/>
-          <a:lstStyle/>
-          <a:p>
-            <a:endParaRPr lang="de-DE"/>
-          </a:p>
-        </p:txBody>
-      </p:sp>
+        </p:nvPicPr>
+        <p:blipFill>
+          <a:blip r:embed="rId3" cstate="print">
+            <a:extLst>
+              <a:ext uri="{28A0092B-C50C-407E-A947-70E740481C1C}">
+                <a14:useLocalDpi xmlns:a14="http://schemas.microsoft.com/office/drawing/2010/main" val="0"/>
+              </a:ext>
+            </a:extLst>
+          </a:blip>
+          <a:stretch>
+            <a:fillRect/>
+          </a:stretch>
+        </p:blipFill>
+        <p:spPr>
+          <a:xfrm>
+            <a:off x="208344" y="567159"/>
+            <a:ext cx="11574684" cy="5787341"/>
+          </a:xfrm>
+        </p:spPr>
+      </p:pic>
     </p:spTree>
     <p:extLst>
       <p:ext uri="{BB962C8B-B14F-4D97-AF65-F5344CB8AC3E}">
@@ -5900,97 +6085,91 @@
             <p:ph type="title"/>
           </p:nvPr>
         </p:nvSpPr>
-        <p:spPr/>
+        <p:spPr>
+          <a:xfrm>
+            <a:off x="1341120" y="127322"/>
+            <a:ext cx="9509760" cy="706055"/>
+          </a:xfrm>
+        </p:spPr>
         <p:txBody>
           <a:bodyPr/>
           <a:lstStyle/>
           <a:p>
-            <a:pPr algn="ctr" defTabSz="914400">
-              <a:lnSpc>
-                <a:spcPct val="90000"/>
-              </a:lnSpc>
-              <a:spcBef>
-                <a:spcPct val="0"/>
-              </a:spcBef>
-              <a:buNone/>
-            </a:pPr>
-            <a:r>
-              <a:rPr lang="de-DE" sz="3400" b="1" i="0" dirty="0" err="1" smtClean="0">
-                <a:solidFill>
-                  <a:srgbClr val="323232"/>
-                </a:solidFill>
-                <a:latin typeface="Book Antiqua"/>
-              </a:rPr>
-              <a:t>Structure</a:t>
-            </a:r>
-            <a:r>
-              <a:rPr lang="de-DE" sz="3400" b="1" i="0" dirty="0" smtClean="0">
-                <a:solidFill>
-                  <a:srgbClr val="323232"/>
-                </a:solidFill>
-                <a:latin typeface="Book Antiqua"/>
-              </a:rPr>
-              <a:t> 101, Architektur</a:t>
-            </a:r>
-            <a:endParaRPr lang="de-DE" dirty="0"/>
-          </a:p>
-        </p:txBody>
-      </p:sp>
-      <p:sp>
-        <p:nvSpPr>
-          <p:cNvPr id="3" name="Inhaltsplatzhalter 2"/>
-          <p:cNvSpPr>
-            <a:spLocks noGrp="1"/>
-          </p:cNvSpPr>
+            <a:pPr algn="ctr"/>
+            <a:r>
+              <a:rPr lang="de-DE" dirty="0" err="1" smtClean="0"/>
+              <a:t>Scrum</a:t>
+            </a:r>
+            <a:r>
+              <a:rPr lang="de-DE" dirty="0" smtClean="0"/>
+              <a:t>(2)</a:t>
+            </a:r>
+            <a:endParaRPr lang="de-DE" dirty="0"/>
+          </a:p>
+        </p:txBody>
+      </p:sp>
+      <p:pic>
+        <p:nvPicPr>
+          <p:cNvPr id="5" name="Inhaltsplatzhalter 4"/>
+          <p:cNvPicPr>
+            <a:picLocks noGrp="1" noChangeAspect="1"/>
+          </p:cNvPicPr>
           <p:nvPr>
             <p:ph sz="half" idx="1"/>
           </p:nvPr>
-        </p:nvSpPr>
-        <p:spPr/>
-        <p:txBody>
-          <a:bodyPr/>
-          <a:lstStyle/>
-          <a:p>
-            <a:pPr marL="274320" indent="-228600" algn="l" defTabSz="914400">
-              <a:spcBef>
-                <a:spcPts val="1800"/>
-              </a:spcBef>
-              <a:buClr>
-                <a:srgbClr val="323232">
-                  <a:lumMod val="90000"/>
-                </a:srgbClr>
-              </a:buClr>
-              <a:buSzPct val="100000"/>
-              <a:buFont typeface="Arial"/>
-              <a:buChar char="▪"/>
-            </a:pPr>
-            <a:endParaRPr lang="de-DE" dirty="0"/>
-          </a:p>
-        </p:txBody>
-      </p:sp>
-      <p:sp>
-        <p:nvSpPr>
-          <p:cNvPr id="4" name="Inhaltsplatzhalter 3"/>
-          <p:cNvSpPr>
-            <a:spLocks noGrp="1"/>
-          </p:cNvSpPr>
+        </p:nvPicPr>
+        <p:blipFill>
+          <a:blip r:embed="rId2" cstate="print">
+            <a:extLst>
+              <a:ext uri="{28A0092B-C50C-407E-A947-70E740481C1C}">
+                <a14:useLocalDpi xmlns:a14="http://schemas.microsoft.com/office/drawing/2010/main" val="0"/>
+              </a:ext>
+            </a:extLst>
+          </a:blip>
+          <a:stretch>
+            <a:fillRect/>
+          </a:stretch>
+        </p:blipFill>
+        <p:spPr>
+          <a:xfrm>
+            <a:off x="1523997" y="1134987"/>
+            <a:ext cx="9326881" cy="2337418"/>
+          </a:xfrm>
+        </p:spPr>
+      </p:pic>
+      <p:pic>
+        <p:nvPicPr>
+          <p:cNvPr id="6" name="Inhaltsplatzhalter 5"/>
+          <p:cNvPicPr>
+            <a:picLocks noGrp="1" noChangeAspect="1"/>
+          </p:cNvPicPr>
           <p:nvPr>
             <p:ph sz="half" idx="2"/>
           </p:nvPr>
-        </p:nvSpPr>
-        <p:spPr/>
-        <p:txBody>
-          <a:bodyPr/>
-          <a:lstStyle/>
-          <a:p>
-            <a:endParaRPr lang="de-DE"/>
-          </a:p>
-        </p:txBody>
-      </p:sp>
+        </p:nvPicPr>
+        <p:blipFill>
+          <a:blip r:embed="rId3" cstate="print">
+            <a:extLst>
+              <a:ext uri="{28A0092B-C50C-407E-A947-70E740481C1C}">
+                <a14:useLocalDpi xmlns:a14="http://schemas.microsoft.com/office/drawing/2010/main" val="0"/>
+              </a:ext>
+            </a:extLst>
+          </a:blip>
+          <a:stretch>
+            <a:fillRect/>
+          </a:stretch>
+        </p:blipFill>
+        <p:spPr>
+          <a:xfrm>
+            <a:off x="1523998" y="3634450"/>
+            <a:ext cx="9326881" cy="2835797"/>
+          </a:xfrm>
+        </p:spPr>
+      </p:pic>
     </p:spTree>
     <p:extLst>
       <p:ext uri="{BB962C8B-B14F-4D97-AF65-F5344CB8AC3E}">
-        <p14:creationId xmlns:p14="http://schemas.microsoft.com/office/powerpoint/2010/main" val="2746259076"/>
+        <p14:creationId xmlns:p14="http://schemas.microsoft.com/office/powerpoint/2010/main" val="406288803"/>
       </p:ext>
     </p:extLst>
   </p:cSld>
@@ -6009,13 +6188,6 @@
       </p:transition>
     </mc:Fallback>
   </mc:AlternateContent>
-  <p:timing>
-    <p:tnLst>
-      <p:par>
-        <p:cTn id="1" dur="indefinite" restart="never" nodeType="tmRoot"/>
-      </p:par>
-    </p:tnLst>
-  </p:timing>
 </p:sld>
 </file>
 
@@ -6038,7 +6210,7 @@
       </p:grpSpPr>
       <p:sp>
         <p:nvSpPr>
-          <p:cNvPr id="6" name="Titel 5"/>
+          <p:cNvPr id="2" name="Titel 1"/>
           <p:cNvSpPr>
             <a:spLocks noGrp="1"/>
           </p:cNvSpPr>
@@ -6046,54 +6218,97 @@
             <p:ph type="title"/>
           </p:nvPr>
         </p:nvSpPr>
-        <p:spPr>
-          <a:xfrm>
-            <a:off x="1295400" y="375893"/>
-            <a:ext cx="9601200" cy="950399"/>
-          </a:xfrm>
-        </p:spPr>
-        <p:txBody>
-          <a:bodyPr>
-            <a:normAutofit/>
-          </a:bodyPr>
-          <a:lstStyle/>
-          <a:p>
-            <a:r>
-              <a:rPr lang="de-DE" sz="3400" dirty="0" smtClean="0"/>
-              <a:t>Sonar</a:t>
-            </a:r>
-            <a:endParaRPr lang="de-DE" sz="3400" dirty="0"/>
-          </a:p>
-        </p:txBody>
-      </p:sp>
-      <p:sp>
-        <p:nvSpPr>
-          <p:cNvPr id="7" name="Textplatzhalter 6"/>
-          <p:cNvSpPr>
-            <a:spLocks noGrp="1"/>
-          </p:cNvSpPr>
-          <p:nvPr>
-            <p:ph type="body" idx="1"/>
-          </p:nvPr>
-        </p:nvSpPr>
-        <p:spPr>
-          <a:xfrm>
-            <a:off x="1295400" y="1795849"/>
-            <a:ext cx="9601200" cy="3617399"/>
-          </a:xfrm>
-        </p:spPr>
+        <p:spPr/>
         <p:txBody>
           <a:bodyPr/>
           <a:lstStyle/>
           <a:p>
-            <a:endParaRPr lang="de-DE" dirty="0"/>
+            <a:pPr algn="ctr" defTabSz="914400">
+              <a:lnSpc>
+                <a:spcPct val="90000"/>
+              </a:lnSpc>
+              <a:spcBef>
+                <a:spcPct val="0"/>
+              </a:spcBef>
+              <a:buNone/>
+            </a:pPr>
+            <a:r>
+              <a:rPr lang="de-DE" sz="3400" b="1" i="0" dirty="0" err="1" smtClean="0">
+                <a:solidFill>
+                  <a:srgbClr val="323232"/>
+                </a:solidFill>
+                <a:latin typeface="Book Antiqua"/>
+              </a:rPr>
+              <a:t>Structure</a:t>
+            </a:r>
+            <a:r>
+              <a:rPr lang="de-DE" sz="3400" b="1" i="0" dirty="0" smtClean="0">
+                <a:solidFill>
+                  <a:srgbClr val="323232"/>
+                </a:solidFill>
+                <a:latin typeface="Book Antiqua"/>
+              </a:rPr>
+              <a:t> 101, Architektur</a:t>
+            </a:r>
+            <a:endParaRPr lang="de-DE" dirty="0"/>
+          </a:p>
+        </p:txBody>
+      </p:sp>
+      <p:sp>
+        <p:nvSpPr>
+          <p:cNvPr id="3" name="Inhaltsplatzhalter 2"/>
+          <p:cNvSpPr>
+            <a:spLocks noGrp="1"/>
+          </p:cNvSpPr>
+          <p:nvPr>
+            <p:ph sz="half" idx="1"/>
+          </p:nvPr>
+        </p:nvSpPr>
+        <p:spPr/>
+        <p:txBody>
+          <a:bodyPr/>
+          <a:lstStyle/>
+          <a:p>
+            <a:pPr marL="274320" indent="-228600" algn="l" defTabSz="914400">
+              <a:spcBef>
+                <a:spcPts val="1800"/>
+              </a:spcBef>
+              <a:buClr>
+                <a:srgbClr val="323232">
+                  <a:lumMod val="90000"/>
+                </a:srgbClr>
+              </a:buClr>
+              <a:buSzPct val="100000"/>
+              <a:buFont typeface="Arial"/>
+              <a:buChar char="▪"/>
+            </a:pPr>
+            <a:endParaRPr lang="de-DE" dirty="0"/>
+          </a:p>
+        </p:txBody>
+      </p:sp>
+      <p:sp>
+        <p:nvSpPr>
+          <p:cNvPr id="4" name="Inhaltsplatzhalter 3"/>
+          <p:cNvSpPr>
+            <a:spLocks noGrp="1"/>
+          </p:cNvSpPr>
+          <p:nvPr>
+            <p:ph sz="half" idx="2"/>
+          </p:nvPr>
+        </p:nvSpPr>
+        <p:spPr/>
+        <p:txBody>
+          <a:bodyPr/>
+          <a:lstStyle/>
+          <a:p>
+            <a:endParaRPr lang="de-DE"/>
           </a:p>
         </p:txBody>
       </p:sp>
     </p:spTree>
     <p:extLst>
       <p:ext uri="{BB962C8B-B14F-4D97-AF65-F5344CB8AC3E}">
-        <p14:creationId xmlns:p14="http://schemas.microsoft.com/office/powerpoint/2010/main" val="843864697"/>
+        <p14:creationId xmlns:p14="http://schemas.microsoft.com/office/powerpoint/2010/main" val="2746259076"/>
       </p:ext>
     </p:extLst>
   </p:cSld>
@@ -6141,7 +6356,7 @@
       </p:grpSpPr>
       <p:sp>
         <p:nvSpPr>
-          <p:cNvPr id="2" name="Titel 1"/>
+          <p:cNvPr id="6" name="Titel 5"/>
           <p:cNvSpPr>
             <a:spLocks noGrp="1"/>
           </p:cNvSpPr>
@@ -6151,58 +6366,52 @@
         </p:nvSpPr>
         <p:spPr>
           <a:xfrm>
-            <a:off x="1341120" y="156520"/>
-            <a:ext cx="9509760" cy="486032"/>
+            <a:off x="1295400" y="375893"/>
+            <a:ext cx="9601200" cy="950399"/>
           </a:xfrm>
         </p:spPr>
         <p:txBody>
           <a:bodyPr>
-            <a:normAutofit fontScale="90000"/>
+            <a:normAutofit/>
           </a:bodyPr>
           <a:lstStyle/>
           <a:p>
-            <a:pPr algn="ctr"/>
-            <a:r>
-              <a:rPr lang="de-DE" dirty="0" err="1" smtClean="0"/>
-              <a:t>Pom</a:t>
-            </a:r>
-            <a:endParaRPr lang="de-DE" dirty="0"/>
-          </a:p>
-        </p:txBody>
-      </p:sp>
-      <p:pic>
-        <p:nvPicPr>
-          <p:cNvPr id="7" name="Inhaltsplatzhalter 6"/>
-          <p:cNvPicPr>
-            <a:picLocks noGrp="1" noChangeAspect="1"/>
-          </p:cNvPicPr>
-          <p:nvPr>
-            <p:ph idx="1"/>
-          </p:nvPr>
-        </p:nvPicPr>
-        <p:blipFill>
-          <a:blip r:embed="rId2">
-            <a:extLst>
-              <a:ext uri="{28A0092B-C50C-407E-A947-70E740481C1C}">
-                <a14:useLocalDpi xmlns:a14="http://schemas.microsoft.com/office/drawing/2010/main" val="0"/>
-              </a:ext>
-            </a:extLst>
-          </a:blip>
-          <a:stretch>
-            <a:fillRect/>
-          </a:stretch>
-        </p:blipFill>
+            <a:r>
+              <a:rPr lang="de-DE" sz="3400" dirty="0" smtClean="0"/>
+              <a:t>Sonar</a:t>
+            </a:r>
+            <a:endParaRPr lang="de-DE" sz="3400" dirty="0"/>
+          </a:p>
+        </p:txBody>
+      </p:sp>
+      <p:sp>
+        <p:nvSpPr>
+          <p:cNvPr id="7" name="Textplatzhalter 6"/>
+          <p:cNvSpPr>
+            <a:spLocks noGrp="1"/>
+          </p:cNvSpPr>
+          <p:nvPr>
+            <p:ph type="body" idx="1"/>
+          </p:nvPr>
+        </p:nvSpPr>
         <p:spPr>
           <a:xfrm>
-            <a:off x="1341120" y="642552"/>
-            <a:ext cx="9236264" cy="5782962"/>
+            <a:off x="1295400" y="1795849"/>
+            <a:ext cx="9601200" cy="3617399"/>
           </a:xfrm>
         </p:spPr>
-      </p:pic>
+        <p:txBody>
+          <a:bodyPr/>
+          <a:lstStyle/>
+          <a:p>
+            <a:endParaRPr lang="de-DE" dirty="0"/>
+          </a:p>
+        </p:txBody>
+      </p:sp>
     </p:spTree>
     <p:extLst>
       <p:ext uri="{BB962C8B-B14F-4D97-AF65-F5344CB8AC3E}">
-        <p14:creationId xmlns:p14="http://schemas.microsoft.com/office/powerpoint/2010/main" val="3941871670"/>
+        <p14:creationId xmlns:p14="http://schemas.microsoft.com/office/powerpoint/2010/main" val="843864697"/>
       </p:ext>
     </p:extLst>
   </p:cSld>
@@ -6250,7 +6459,7 @@
       </p:grpSpPr>
       <p:sp>
         <p:nvSpPr>
-          <p:cNvPr id="2" name="Titel 1"/>
+          <p:cNvPr id="4" name="Titel 3"/>
           <p:cNvSpPr>
             <a:spLocks noGrp="1"/>
           </p:cNvSpPr>
@@ -6258,32 +6467,58 @@
             <p:ph type="title"/>
           </p:nvPr>
         </p:nvSpPr>
-        <p:spPr/>
+        <p:spPr>
+          <a:xfrm>
+            <a:off x="1317971" y="131694"/>
+            <a:ext cx="9509760" cy="690108"/>
+          </a:xfrm>
+        </p:spPr>
         <p:txBody>
           <a:bodyPr/>
           <a:lstStyle/>
           <a:p>
             <a:pPr algn="ctr"/>
             <a:r>
-              <a:rPr lang="de-DE" dirty="0" err="1" smtClean="0"/>
-              <a:t>Cost</a:t>
-            </a:r>
-            <a:r>
               <a:rPr lang="de-DE" dirty="0" smtClean="0"/>
-              <a:t> </a:t>
-            </a:r>
-            <a:r>
-              <a:rPr lang="de-DE" dirty="0" err="1" smtClean="0"/>
-              <a:t>Estimation</a:t>
-            </a:r>
-            <a:endParaRPr lang="de-DE" dirty="0"/>
-          </a:p>
-        </p:txBody>
-      </p:sp>
+              <a:t>Jenkins</a:t>
+            </a:r>
+            <a:endParaRPr lang="de-DE" dirty="0"/>
+          </a:p>
+        </p:txBody>
+      </p:sp>
+      <p:pic>
+        <p:nvPicPr>
+          <p:cNvPr id="6" name="Inhaltsplatzhalter 5"/>
+          <p:cNvPicPr>
+            <a:picLocks noGrp="1" noChangeAspect="1"/>
+          </p:cNvPicPr>
+          <p:nvPr>
+            <p:ph idx="1"/>
+          </p:nvPr>
+        </p:nvPicPr>
+        <p:blipFill>
+          <a:blip r:embed="rId2">
+            <a:extLst>
+              <a:ext uri="{28A0092B-C50C-407E-A947-70E740481C1C}">
+                <a14:useLocalDpi xmlns:a14="http://schemas.microsoft.com/office/drawing/2010/main" val="0"/>
+              </a:ext>
+            </a:extLst>
+          </a:blip>
+          <a:stretch>
+            <a:fillRect/>
+          </a:stretch>
+        </p:blipFill>
+        <p:spPr>
+          <a:xfrm>
+            <a:off x="1041722" y="821803"/>
+            <a:ext cx="10232020" cy="5729468"/>
+          </a:xfrm>
+        </p:spPr>
+      </p:pic>
     </p:spTree>
     <p:extLst>
       <p:ext uri="{BB962C8B-B14F-4D97-AF65-F5344CB8AC3E}">
-        <p14:creationId xmlns:p14="http://schemas.microsoft.com/office/powerpoint/2010/main" val="4222283958"/>
+        <p14:creationId xmlns:p14="http://schemas.microsoft.com/office/powerpoint/2010/main" val="1590133748"/>
       </p:ext>
     </p:extLst>
   </p:cSld>
@@ -6302,13 +6537,6 @@
       </p:transition>
     </mc:Fallback>
   </mc:AlternateContent>
-  <p:timing>
-    <p:tnLst>
-      <p:par>
-        <p:cTn id="1" dur="indefinite" restart="never" nodeType="tmRoot"/>
-      </p:par>
-    </p:tnLst>
-  </p:timing>
 </p:sld>
 </file>
 
@@ -6331,7 +6559,7 @@
       </p:grpSpPr>
       <p:sp>
         <p:nvSpPr>
-          <p:cNvPr id="5" name="Titel 4"/>
+          <p:cNvPr id="2" name="Titel 1"/>
           <p:cNvSpPr>
             <a:spLocks noGrp="1"/>
           </p:cNvSpPr>
@@ -6341,46 +6569,58 @@
         </p:nvSpPr>
         <p:spPr>
           <a:xfrm>
-            <a:off x="1341120" y="467360"/>
-            <a:ext cx="9509760" cy="916597"/>
+            <a:off x="1341120" y="156520"/>
+            <a:ext cx="9509760" cy="486032"/>
           </a:xfrm>
         </p:spPr>
         <p:txBody>
-          <a:bodyPr/>
+          <a:bodyPr>
+            <a:normAutofit fontScale="90000"/>
+          </a:bodyPr>
           <a:lstStyle/>
           <a:p>
             <a:pPr algn="ctr"/>
             <a:r>
-              <a:rPr lang="de-DE" dirty="0" smtClean="0"/>
-              <a:t>Patterns</a:t>
-            </a:r>
-            <a:endParaRPr lang="de-DE" dirty="0"/>
-          </a:p>
-        </p:txBody>
-      </p:sp>
-      <p:sp>
-        <p:nvSpPr>
-          <p:cNvPr id="6" name="Inhaltsplatzhalter 5"/>
-          <p:cNvSpPr>
-            <a:spLocks noGrp="1"/>
-          </p:cNvSpPr>
+              <a:rPr lang="de-DE" dirty="0" err="1" smtClean="0"/>
+              <a:t>Pom</a:t>
+            </a:r>
+            <a:endParaRPr lang="de-DE" dirty="0"/>
+          </a:p>
+        </p:txBody>
+      </p:sp>
+      <p:pic>
+        <p:nvPicPr>
+          <p:cNvPr id="7" name="Inhaltsplatzhalter 6"/>
+          <p:cNvPicPr>
+            <a:picLocks noGrp="1" noChangeAspect="1"/>
+          </p:cNvPicPr>
           <p:nvPr>
             <p:ph idx="1"/>
           </p:nvPr>
-        </p:nvSpPr>
-        <p:spPr/>
-        <p:txBody>
-          <a:bodyPr/>
-          <a:lstStyle/>
-          <a:p>
-            <a:endParaRPr lang="de-DE"/>
-          </a:p>
-        </p:txBody>
-      </p:sp>
+        </p:nvPicPr>
+        <p:blipFill>
+          <a:blip r:embed="rId2">
+            <a:extLst>
+              <a:ext uri="{28A0092B-C50C-407E-A947-70E740481C1C}">
+                <a14:useLocalDpi xmlns:a14="http://schemas.microsoft.com/office/drawing/2010/main" val="0"/>
+              </a:ext>
+            </a:extLst>
+          </a:blip>
+          <a:stretch>
+            <a:fillRect/>
+          </a:stretch>
+        </p:blipFill>
+        <p:spPr>
+          <a:xfrm>
+            <a:off x="1341120" y="642552"/>
+            <a:ext cx="9236264" cy="5782962"/>
+          </a:xfrm>
+        </p:spPr>
+      </p:pic>
     </p:spTree>
     <p:extLst>
       <p:ext uri="{BB962C8B-B14F-4D97-AF65-F5344CB8AC3E}">
-        <p14:creationId xmlns:p14="http://schemas.microsoft.com/office/powerpoint/2010/main" val="1400644211"/>
+        <p14:creationId xmlns:p14="http://schemas.microsoft.com/office/powerpoint/2010/main" val="3941871670"/>
       </p:ext>
     </p:extLst>
   </p:cSld>
